--- a/Master Dissertation/Neural Network figure.pptx
+++ b/Master Dissertation/Neural Network figure.pptx
@@ -244,7 +244,7 @@
           <a:p>
             <a:fld id="{168CF1BB-C8E0-4DB4-A607-C215497BBD0A}" type="datetimeFigureOut">
               <a:rPr lang="en-US" smtClean="0"/>
-              <a:t>6/9/2018</a:t>
+              <a:t>6/29/2018</a:t>
             </a:fld>
             <a:endParaRPr lang="en-US"/>
           </a:p>
@@ -414,7 +414,7 @@
           <a:p>
             <a:fld id="{168CF1BB-C8E0-4DB4-A607-C215497BBD0A}" type="datetimeFigureOut">
               <a:rPr lang="en-US" smtClean="0"/>
-              <a:t>6/9/2018</a:t>
+              <a:t>6/29/2018</a:t>
             </a:fld>
             <a:endParaRPr lang="en-US"/>
           </a:p>
@@ -594,7 +594,7 @@
           <a:p>
             <a:fld id="{168CF1BB-C8E0-4DB4-A607-C215497BBD0A}" type="datetimeFigureOut">
               <a:rPr lang="en-US" smtClean="0"/>
-              <a:t>6/9/2018</a:t>
+              <a:t>6/29/2018</a:t>
             </a:fld>
             <a:endParaRPr lang="en-US"/>
           </a:p>
@@ -764,7 +764,7 @@
           <a:p>
             <a:fld id="{168CF1BB-C8E0-4DB4-A607-C215497BBD0A}" type="datetimeFigureOut">
               <a:rPr lang="en-US" smtClean="0"/>
-              <a:t>6/9/2018</a:t>
+              <a:t>6/29/2018</a:t>
             </a:fld>
             <a:endParaRPr lang="en-US"/>
           </a:p>
@@ -1010,7 +1010,7 @@
           <a:p>
             <a:fld id="{168CF1BB-C8E0-4DB4-A607-C215497BBD0A}" type="datetimeFigureOut">
               <a:rPr lang="en-US" smtClean="0"/>
-              <a:t>6/9/2018</a:t>
+              <a:t>6/29/2018</a:t>
             </a:fld>
             <a:endParaRPr lang="en-US"/>
           </a:p>
@@ -1242,7 +1242,7 @@
           <a:p>
             <a:fld id="{168CF1BB-C8E0-4DB4-A607-C215497BBD0A}" type="datetimeFigureOut">
               <a:rPr lang="en-US" smtClean="0"/>
-              <a:t>6/9/2018</a:t>
+              <a:t>6/29/2018</a:t>
             </a:fld>
             <a:endParaRPr lang="en-US"/>
           </a:p>
@@ -1609,7 +1609,7 @@
           <a:p>
             <a:fld id="{168CF1BB-C8E0-4DB4-A607-C215497BBD0A}" type="datetimeFigureOut">
               <a:rPr lang="en-US" smtClean="0"/>
-              <a:t>6/9/2018</a:t>
+              <a:t>6/29/2018</a:t>
             </a:fld>
             <a:endParaRPr lang="en-US"/>
           </a:p>
@@ -1727,7 +1727,7 @@
           <a:p>
             <a:fld id="{168CF1BB-C8E0-4DB4-A607-C215497BBD0A}" type="datetimeFigureOut">
               <a:rPr lang="en-US" smtClean="0"/>
-              <a:t>6/9/2018</a:t>
+              <a:t>6/29/2018</a:t>
             </a:fld>
             <a:endParaRPr lang="en-US"/>
           </a:p>
@@ -1822,7 +1822,7 @@
           <a:p>
             <a:fld id="{168CF1BB-C8E0-4DB4-A607-C215497BBD0A}" type="datetimeFigureOut">
               <a:rPr lang="en-US" smtClean="0"/>
-              <a:t>6/9/2018</a:t>
+              <a:t>6/29/2018</a:t>
             </a:fld>
             <a:endParaRPr lang="en-US"/>
           </a:p>
@@ -2099,7 +2099,7 @@
           <a:p>
             <a:fld id="{168CF1BB-C8E0-4DB4-A607-C215497BBD0A}" type="datetimeFigureOut">
               <a:rPr lang="en-US" smtClean="0"/>
-              <a:t>6/9/2018</a:t>
+              <a:t>6/29/2018</a:t>
             </a:fld>
             <a:endParaRPr lang="en-US"/>
           </a:p>
@@ -2352,7 +2352,7 @@
           <a:p>
             <a:fld id="{168CF1BB-C8E0-4DB4-A607-C215497BBD0A}" type="datetimeFigureOut">
               <a:rPr lang="en-US" smtClean="0"/>
-              <a:t>6/9/2018</a:t>
+              <a:t>6/29/2018</a:t>
             </a:fld>
             <a:endParaRPr lang="en-US"/>
           </a:p>
@@ -2565,7 +2565,7 @@
           <a:p>
             <a:fld id="{168CF1BB-C8E0-4DB4-A607-C215497BBD0A}" type="datetimeFigureOut">
               <a:rPr lang="en-US" smtClean="0"/>
-              <a:t>6/9/2018</a:t>
+              <a:t>6/29/2018</a:t>
             </a:fld>
             <a:endParaRPr lang="en-US"/>
           </a:p>
@@ -3051,16 +3051,16 @@
       </p:grpSpPr>
       <p:grpSp>
         <p:nvGrpSpPr>
-          <p:cNvPr id="50" name="群組 49"/>
+          <p:cNvPr id="26" name="群組 25"/>
           <p:cNvGrpSpPr/>
           <p:nvPr/>
         </p:nvGrpSpPr>
         <p:grpSpPr>
           <a:xfrm>
-            <a:off x="2407221" y="1280160"/>
-            <a:ext cx="5554996" cy="3616035"/>
-            <a:chOff x="437245" y="121812"/>
-            <a:chExt cx="10331797" cy="6894477"/>
+            <a:off x="1775932" y="1280160"/>
+            <a:ext cx="6186285" cy="3616035"/>
+            <a:chOff x="1775932" y="1280160"/>
+            <a:chExt cx="6186285" cy="3616035"/>
           </a:xfrm>
         </p:grpSpPr>
         <p:sp>
@@ -3071,8 +3071,8 @@
           </p:nvSpPr>
           <p:spPr>
             <a:xfrm>
-              <a:off x="7491080" y="1337700"/>
-              <a:ext cx="674681" cy="4898456"/>
+              <a:off x="6199787" y="1917872"/>
+              <a:ext cx="362749" cy="2569156"/>
             </a:xfrm>
             <a:prstGeom prst="rect">
               <a:avLst/>
@@ -3114,8 +3114,8 @@
           </p:nvSpPr>
           <p:spPr>
             <a:xfrm>
-              <a:off x="5425391" y="1338715"/>
-              <a:ext cx="674681" cy="4898456"/>
+              <a:off x="5089149" y="1918405"/>
+              <a:ext cx="362749" cy="2569156"/>
             </a:xfrm>
             <a:prstGeom prst="rect">
               <a:avLst/>
@@ -3157,8 +3157,8 @@
           </p:nvSpPr>
           <p:spPr>
             <a:xfrm>
-              <a:off x="4034621" y="1338715"/>
-              <a:ext cx="674681" cy="4898456"/>
+              <a:off x="4341387" y="1918405"/>
+              <a:ext cx="362749" cy="2569156"/>
             </a:xfrm>
             <a:prstGeom prst="rect">
               <a:avLst/>
@@ -3200,8 +3200,8 @@
           </p:nvSpPr>
           <p:spPr>
             <a:xfrm>
-              <a:off x="2338752" y="1338715"/>
-              <a:ext cx="674681" cy="4898456"/>
+              <a:off x="3429586" y="1918405"/>
+              <a:ext cx="362749" cy="2569156"/>
             </a:xfrm>
             <a:prstGeom prst="rect">
               <a:avLst/>
@@ -3243,8 +3243,8 @@
           </p:nvSpPr>
           <p:spPr>
             <a:xfrm>
-              <a:off x="593686" y="1338715"/>
-              <a:ext cx="674681" cy="4898456"/>
+              <a:off x="2491333" y="1918405"/>
+              <a:ext cx="362749" cy="2569156"/>
             </a:xfrm>
             <a:prstGeom prst="rect">
               <a:avLst/>
@@ -3288,8 +3288,8 @@
               </p:nvSpPr>
               <p:spPr>
                 <a:xfrm>
-                  <a:off x="741021" y="1935802"/>
-                  <a:ext cx="380010" cy="356259"/>
+                  <a:off x="2570549" y="2231567"/>
+                  <a:ext cx="204316" cy="186852"/>
                 </a:xfrm>
                 <a:prstGeom prst="ellipse">
                   <a:avLst/>
@@ -3375,8 +3375,8 @@
               </p:nvSpPr>
               <p:spPr>
                 <a:xfrm>
-                  <a:off x="741021" y="1935802"/>
-                  <a:ext cx="380010" cy="356259"/>
+                  <a:off x="2570549" y="2231567"/>
+                  <a:ext cx="204316" cy="186852"/>
                 </a:xfrm>
                 <a:prstGeom prst="ellipse">
                   <a:avLst/>
@@ -3413,8 +3413,8 @@
               </p:nvSpPr>
               <p:spPr>
                 <a:xfrm>
-                  <a:off x="741021" y="3366489"/>
-                  <a:ext cx="380010" cy="356259"/>
+                  <a:off x="2570549" y="2981937"/>
+                  <a:ext cx="204316" cy="186852"/>
                 </a:xfrm>
                 <a:prstGeom prst="ellipse">
                   <a:avLst/>
@@ -3500,8 +3500,8 @@
               </p:nvSpPr>
               <p:spPr>
                 <a:xfrm>
-                  <a:off x="741021" y="3366489"/>
-                  <a:ext cx="380010" cy="356259"/>
+                  <a:off x="2570549" y="2981937"/>
+                  <a:ext cx="204316" cy="186852"/>
                 </a:xfrm>
                 <a:prstGeom prst="ellipse">
                   <a:avLst/>
@@ -3538,8 +3538,8 @@
               </p:nvSpPr>
               <p:spPr>
                 <a:xfrm>
-                  <a:off x="741021" y="5304435"/>
-                  <a:ext cx="380010" cy="356259"/>
+                  <a:off x="2570549" y="3998357"/>
+                  <a:ext cx="204316" cy="186852"/>
                 </a:xfrm>
                 <a:prstGeom prst="ellipse">
                   <a:avLst/>
@@ -3625,8 +3625,8 @@
               </p:nvSpPr>
               <p:spPr>
                 <a:xfrm>
-                  <a:off x="741021" y="5304435"/>
-                  <a:ext cx="380010" cy="356259"/>
+                  <a:off x="2570549" y="3998357"/>
+                  <a:ext cx="204316" cy="186852"/>
                 </a:xfrm>
                 <a:prstGeom prst="ellipse">
                   <a:avLst/>
@@ -3664,8 +3664,8 @@
           </p:nvCxnSpPr>
           <p:spPr>
             <a:xfrm>
-              <a:off x="1121031" y="2113932"/>
-              <a:ext cx="1370183" cy="4610"/>
+              <a:off x="2774866" y="2324993"/>
+              <a:ext cx="736693" cy="2418"/>
             </a:xfrm>
             <a:prstGeom prst="straightConnector1">
               <a:avLst/>
@@ -3700,8 +3700,8 @@
           </p:nvCxnSpPr>
           <p:spPr>
             <a:xfrm flipV="1">
-              <a:off x="1121031" y="3107475"/>
-              <a:ext cx="1370183" cy="437144"/>
+              <a:off x="2774866" y="2846089"/>
+              <a:ext cx="736693" cy="229275"/>
             </a:xfrm>
             <a:prstGeom prst="straightConnector1">
               <a:avLst/>
@@ -3736,8 +3736,8 @@
           </p:nvCxnSpPr>
           <p:spPr>
             <a:xfrm flipV="1">
-              <a:off x="1121031" y="5077112"/>
-              <a:ext cx="1370183" cy="405453"/>
+              <a:off x="2774866" y="3879130"/>
+              <a:ext cx="736693" cy="212653"/>
             </a:xfrm>
             <a:prstGeom prst="straightConnector1">
               <a:avLst/>
@@ -3772,8 +3772,8 @@
           </p:nvCxnSpPr>
           <p:spPr>
             <a:xfrm flipV="1">
-              <a:off x="1121031" y="3512927"/>
-              <a:ext cx="1370183" cy="31692"/>
+              <a:off x="2774866" y="3058742"/>
+              <a:ext cx="736693" cy="16622"/>
             </a:xfrm>
             <a:prstGeom prst="straightConnector1">
               <a:avLst/>
@@ -3808,8 +3808,8 @@
           </p:nvCxnSpPr>
           <p:spPr>
             <a:xfrm>
-              <a:off x="1121031" y="3544619"/>
-              <a:ext cx="1370183" cy="373760"/>
+              <a:off x="2774866" y="3075364"/>
+              <a:ext cx="736693" cy="196031"/>
             </a:xfrm>
             <a:prstGeom prst="straightConnector1">
               <a:avLst/>
@@ -3844,8 +3844,8 @@
           </p:nvCxnSpPr>
           <p:spPr>
             <a:xfrm flipV="1">
-              <a:off x="1121031" y="1679990"/>
-              <a:ext cx="1370183" cy="433942"/>
+              <a:off x="2774866" y="2097398"/>
+              <a:ext cx="736693" cy="227595"/>
             </a:xfrm>
             <a:prstGeom prst="straightConnector1">
               <a:avLst/>
@@ -3880,8 +3880,8 @@
           </p:nvCxnSpPr>
           <p:spPr>
             <a:xfrm>
-              <a:off x="1121031" y="2113932"/>
-              <a:ext cx="1370183" cy="448609"/>
+              <a:off x="2774866" y="2324993"/>
+              <a:ext cx="736693" cy="235288"/>
             </a:xfrm>
             <a:prstGeom prst="straightConnector1">
               <a:avLst/>
@@ -3915,8 +3915,8 @@
               </p:nvSpPr>
               <p:spPr>
                 <a:xfrm>
-                  <a:off x="2491214" y="1501860"/>
-                  <a:ext cx="380010" cy="356259"/>
+                  <a:off x="3511558" y="2003972"/>
+                  <a:ext cx="204316" cy="186852"/>
                 </a:xfrm>
                 <a:prstGeom prst="ellipse">
                   <a:avLst/>
@@ -4002,8 +4002,8 @@
               </p:nvSpPr>
               <p:spPr>
                 <a:xfrm>
-                  <a:off x="2491214" y="1501860"/>
-                  <a:ext cx="380010" cy="356259"/>
+                  <a:off x="3511558" y="2003972"/>
+                  <a:ext cx="204316" cy="186852"/>
                 </a:xfrm>
                 <a:prstGeom prst="ellipse">
                   <a:avLst/>
@@ -4040,8 +4040,8 @@
               </p:nvSpPr>
               <p:spPr>
                 <a:xfrm>
-                  <a:off x="2491214" y="1940412"/>
-                  <a:ext cx="380010" cy="356259"/>
+                  <a:off x="3511558" y="2233985"/>
+                  <a:ext cx="204316" cy="186852"/>
                 </a:xfrm>
                 <a:prstGeom prst="ellipse">
                   <a:avLst/>
@@ -4131,8 +4131,8 @@
               </p:nvSpPr>
               <p:spPr>
                 <a:xfrm>
-                  <a:off x="2491214" y="1940412"/>
-                  <a:ext cx="380010" cy="356259"/>
+                  <a:off x="3511558" y="2233985"/>
+                  <a:ext cx="204316" cy="186852"/>
                 </a:xfrm>
                 <a:prstGeom prst="ellipse">
                   <a:avLst/>
@@ -4169,8 +4169,8 @@
               </p:nvSpPr>
               <p:spPr>
                 <a:xfrm>
-                  <a:off x="2491214" y="2384411"/>
-                  <a:ext cx="380010" cy="356259"/>
+                  <a:off x="3511558" y="2466854"/>
+                  <a:ext cx="204316" cy="186852"/>
                 </a:xfrm>
                 <a:prstGeom prst="ellipse">
                   <a:avLst/>
@@ -4260,8 +4260,8 @@
               </p:nvSpPr>
               <p:spPr>
                 <a:xfrm>
-                  <a:off x="2491214" y="2384411"/>
-                  <a:ext cx="380010" cy="356259"/>
+                  <a:off x="3511558" y="2466854"/>
+                  <a:ext cx="204316" cy="186852"/>
                 </a:xfrm>
                 <a:prstGeom prst="ellipse">
                   <a:avLst/>
@@ -4298,8 +4298,8 @@
               </p:nvSpPr>
               <p:spPr>
                 <a:xfrm>
-                  <a:off x="2491214" y="2929345"/>
-                  <a:ext cx="380010" cy="356259"/>
+                  <a:off x="3511558" y="2752663"/>
+                  <a:ext cx="204316" cy="186852"/>
                 </a:xfrm>
                 <a:prstGeom prst="ellipse">
                   <a:avLst/>
@@ -4389,8 +4389,8 @@
               </p:nvSpPr>
               <p:spPr>
                 <a:xfrm>
-                  <a:off x="2491214" y="2929345"/>
-                  <a:ext cx="380010" cy="356259"/>
+                  <a:off x="3511558" y="2752663"/>
+                  <a:ext cx="204316" cy="186852"/>
                 </a:xfrm>
                 <a:prstGeom prst="ellipse">
                   <a:avLst/>
@@ -4427,8 +4427,8 @@
               </p:nvSpPr>
               <p:spPr>
                 <a:xfrm>
-                  <a:off x="2491214" y="3334797"/>
-                  <a:ext cx="380010" cy="356259"/>
+                  <a:off x="3511558" y="2965316"/>
+                  <a:ext cx="204316" cy="186852"/>
                 </a:xfrm>
                 <a:prstGeom prst="ellipse">
                   <a:avLst/>
@@ -4518,8 +4518,8 @@
               </p:nvSpPr>
               <p:spPr>
                 <a:xfrm>
-                  <a:off x="2491214" y="3334797"/>
-                  <a:ext cx="380010" cy="356259"/>
+                  <a:off x="3511558" y="2965316"/>
+                  <a:ext cx="204316" cy="186852"/>
                 </a:xfrm>
                 <a:prstGeom prst="ellipse">
                   <a:avLst/>
@@ -4556,8 +4556,8 @@
               </p:nvSpPr>
               <p:spPr>
                 <a:xfrm>
-                  <a:off x="2491214" y="3740249"/>
-                  <a:ext cx="380010" cy="356259"/>
+                  <a:off x="3511558" y="3177968"/>
+                  <a:ext cx="204316" cy="186852"/>
                 </a:xfrm>
                 <a:prstGeom prst="ellipse">
                   <a:avLst/>
@@ -4647,8 +4647,8 @@
               </p:nvSpPr>
               <p:spPr>
                 <a:xfrm>
-                  <a:off x="2491214" y="3740249"/>
-                  <a:ext cx="380010" cy="356259"/>
+                  <a:off x="3511558" y="3177968"/>
+                  <a:ext cx="204316" cy="186852"/>
                 </a:xfrm>
                 <a:prstGeom prst="ellipse">
                   <a:avLst/>
@@ -4685,8 +4685,8 @@
               </p:nvSpPr>
               <p:spPr>
                 <a:xfrm>
-                  <a:off x="2491214" y="4898982"/>
-                  <a:ext cx="380010" cy="356259"/>
+                  <a:off x="3511558" y="3785704"/>
+                  <a:ext cx="204316" cy="186852"/>
                 </a:xfrm>
                 <a:prstGeom prst="ellipse">
                   <a:avLst/>
@@ -4776,8 +4776,8 @@
               </p:nvSpPr>
               <p:spPr>
                 <a:xfrm>
-                  <a:off x="2491214" y="4898982"/>
-                  <a:ext cx="380010" cy="356259"/>
+                  <a:off x="3511558" y="3785704"/>
+                  <a:ext cx="204316" cy="186852"/>
                 </a:xfrm>
                 <a:prstGeom prst="ellipse">
                   <a:avLst/>
@@ -4814,8 +4814,8 @@
               </p:nvSpPr>
               <p:spPr>
                 <a:xfrm>
-                  <a:off x="2491214" y="5304434"/>
-                  <a:ext cx="380010" cy="356259"/>
+                  <a:off x="3511558" y="3998356"/>
+                  <a:ext cx="204316" cy="186852"/>
                 </a:xfrm>
                 <a:prstGeom prst="ellipse">
                   <a:avLst/>
@@ -4905,8 +4905,8 @@
               </p:nvSpPr>
               <p:spPr>
                 <a:xfrm>
-                  <a:off x="2491214" y="5304434"/>
-                  <a:ext cx="380010" cy="356259"/>
+                  <a:off x="3511558" y="3998356"/>
+                  <a:ext cx="204316" cy="186852"/>
                 </a:xfrm>
                 <a:prstGeom prst="ellipse">
                   <a:avLst/>
@@ -4943,8 +4943,8 @@
               </p:nvSpPr>
               <p:spPr>
                 <a:xfrm>
-                  <a:off x="2491214" y="5709886"/>
-                  <a:ext cx="380010" cy="356259"/>
+                  <a:off x="3511558" y="4211009"/>
+                  <a:ext cx="204316" cy="186852"/>
                 </a:xfrm>
                 <a:prstGeom prst="ellipse">
                   <a:avLst/>
@@ -5034,8 +5034,8 @@
               </p:nvSpPr>
               <p:spPr>
                 <a:xfrm>
-                  <a:off x="2491214" y="5709886"/>
-                  <a:ext cx="380010" cy="356259"/>
+                  <a:off x="3511558" y="4211009"/>
+                  <a:ext cx="204316" cy="186852"/>
                 </a:xfrm>
                 <a:prstGeom prst="ellipse">
                   <a:avLst/>
@@ -5073,8 +5073,8 @@
           </p:nvCxnSpPr>
           <p:spPr>
             <a:xfrm flipV="1">
-              <a:off x="1121031" y="5482564"/>
-              <a:ext cx="1370183" cy="1"/>
+              <a:off x="2774866" y="4091783"/>
+              <a:ext cx="736693" cy="1"/>
             </a:xfrm>
             <a:prstGeom prst="straightConnector1">
               <a:avLst/>
@@ -5109,8 +5109,8 @@
           </p:nvCxnSpPr>
           <p:spPr>
             <a:xfrm>
-              <a:off x="1121031" y="5482565"/>
-              <a:ext cx="1370183" cy="405451"/>
+              <a:off x="2774866" y="4091783"/>
+              <a:ext cx="736693" cy="212652"/>
             </a:xfrm>
             <a:prstGeom prst="straightConnector1">
               <a:avLst/>
@@ -5144,8 +5144,8 @@
               </p:nvSpPr>
               <p:spPr>
                 <a:xfrm>
-                  <a:off x="2557788" y="4246134"/>
-                  <a:ext cx="256403" cy="586820"/>
+                  <a:off x="3547353" y="3443296"/>
+                  <a:ext cx="137858" cy="307777"/>
                 </a:xfrm>
                 <a:prstGeom prst="rect">
                   <a:avLst/>
@@ -5190,8 +5190,8 @@
               </p:nvSpPr>
               <p:spPr>
                 <a:xfrm>
-                  <a:off x="2557788" y="4246134"/>
-                  <a:ext cx="256403" cy="586820"/>
+                  <a:off x="3547353" y="3443296"/>
+                  <a:ext cx="137858" cy="307777"/>
                 </a:xfrm>
                 <a:prstGeom prst="rect">
                   <a:avLst/>
@@ -5228,8 +5228,8 @@
               </p:nvSpPr>
               <p:spPr>
                 <a:xfrm>
-                  <a:off x="4183656" y="1501859"/>
-                  <a:ext cx="380010" cy="356259"/>
+                  <a:off x="4421517" y="2003971"/>
+                  <a:ext cx="204316" cy="186852"/>
                 </a:xfrm>
                 <a:prstGeom prst="ellipse">
                   <a:avLst/>
@@ -5294,8 +5294,8 @@
               </p:nvSpPr>
               <p:spPr>
                 <a:xfrm>
-                  <a:off x="4183656" y="1501859"/>
-                  <a:ext cx="380010" cy="356259"/>
+                  <a:off x="4421517" y="2003971"/>
+                  <a:ext cx="204316" cy="186852"/>
                 </a:xfrm>
                 <a:prstGeom prst="ellipse">
                   <a:avLst/>
@@ -5330,8 +5330,8 @@
           </p:nvSpPr>
           <p:spPr>
             <a:xfrm>
-              <a:off x="4183656" y="2462781"/>
-              <a:ext cx="380010" cy="356259"/>
+              <a:off x="4421517" y="2507958"/>
+              <a:ext cx="204316" cy="186852"/>
             </a:xfrm>
             <a:prstGeom prst="ellipse">
               <a:avLst/>
@@ -5384,8 +5384,8 @@
               </p:nvSpPr>
               <p:spPr>
                 <a:xfrm>
-                  <a:off x="4183656" y="5010381"/>
-                  <a:ext cx="380010" cy="356259"/>
+                  <a:off x="4421517" y="3844131"/>
+                  <a:ext cx="204316" cy="186852"/>
                 </a:xfrm>
                 <a:prstGeom prst="ellipse">
                   <a:avLst/>
@@ -5450,8 +5450,8 @@
               </p:nvSpPr>
               <p:spPr>
                 <a:xfrm>
-                  <a:off x="4183656" y="5010381"/>
-                  <a:ext cx="380010" cy="356259"/>
+                  <a:off x="4421517" y="3844131"/>
+                  <a:ext cx="204316" cy="186852"/>
                 </a:xfrm>
                 <a:prstGeom prst="ellipse">
                   <a:avLst/>
@@ -5489,8 +5489,8 @@
           </p:nvCxnSpPr>
           <p:spPr>
             <a:xfrm flipV="1">
-              <a:off x="2871224" y="1679989"/>
-              <a:ext cx="1312432" cy="1"/>
+              <a:off x="3715875" y="2097397"/>
+              <a:ext cx="705642" cy="1"/>
             </a:xfrm>
             <a:prstGeom prst="straightConnector1">
               <a:avLst/>
@@ -5525,8 +5525,8 @@
           </p:nvCxnSpPr>
           <p:spPr>
             <a:xfrm flipV="1">
-              <a:off x="2871224" y="1679989"/>
-              <a:ext cx="1312432" cy="1427486"/>
+              <a:off x="3715875" y="2097397"/>
+              <a:ext cx="705642" cy="748692"/>
             </a:xfrm>
             <a:prstGeom prst="straightConnector1">
               <a:avLst/>
@@ -5561,8 +5561,8 @@
           </p:nvCxnSpPr>
           <p:spPr>
             <a:xfrm flipV="1">
-              <a:off x="2871224" y="2640911"/>
-              <a:ext cx="1312432" cy="872016"/>
+              <a:off x="3715875" y="2601384"/>
+              <a:ext cx="705642" cy="457357"/>
             </a:xfrm>
             <a:prstGeom prst="straightConnector1">
               <a:avLst/>
@@ -5597,8 +5597,8 @@
           </p:nvCxnSpPr>
           <p:spPr>
             <a:xfrm flipV="1">
-              <a:off x="2871224" y="1679989"/>
-              <a:ext cx="1312432" cy="3397123"/>
+              <a:off x="3715875" y="2097397"/>
+              <a:ext cx="705642" cy="1781733"/>
             </a:xfrm>
             <a:prstGeom prst="straightConnector1">
               <a:avLst/>
@@ -5633,8 +5633,8 @@
           </p:nvCxnSpPr>
           <p:spPr>
             <a:xfrm>
-              <a:off x="2871224" y="2118542"/>
-              <a:ext cx="1312432" cy="522369"/>
+              <a:off x="3715875" y="2327411"/>
+              <a:ext cx="705642" cy="273974"/>
             </a:xfrm>
             <a:prstGeom prst="straightConnector1">
               <a:avLst/>
@@ -5669,8 +5669,8 @@
           </p:nvCxnSpPr>
           <p:spPr>
             <a:xfrm flipV="1">
-              <a:off x="2871224" y="2640911"/>
-              <a:ext cx="1312432" cy="2436201"/>
+              <a:off x="3715875" y="2601384"/>
+              <a:ext cx="705642" cy="1277746"/>
             </a:xfrm>
             <a:prstGeom prst="straightConnector1">
               <a:avLst/>
@@ -5705,8 +5705,8 @@
           </p:nvCxnSpPr>
           <p:spPr>
             <a:xfrm flipV="1">
-              <a:off x="2871224" y="5188511"/>
-              <a:ext cx="1312432" cy="294053"/>
+              <a:off x="3715875" y="3937557"/>
+              <a:ext cx="705642" cy="154226"/>
             </a:xfrm>
             <a:prstGeom prst="straightConnector1">
               <a:avLst/>
@@ -5741,8 +5741,8 @@
           </p:nvCxnSpPr>
           <p:spPr>
             <a:xfrm>
-              <a:off x="2871224" y="3918379"/>
-              <a:ext cx="1312432" cy="1270132"/>
+              <a:off x="3715875" y="3271394"/>
+              <a:ext cx="705642" cy="666162"/>
             </a:xfrm>
             <a:prstGeom prst="straightConnector1">
               <a:avLst/>
@@ -5777,8 +5777,8 @@
           </p:nvCxnSpPr>
           <p:spPr>
             <a:xfrm>
-              <a:off x="2871224" y="2562541"/>
-              <a:ext cx="1312432" cy="2625970"/>
+              <a:off x="3715875" y="2560281"/>
+              <a:ext cx="705642" cy="1377276"/>
             </a:xfrm>
             <a:prstGeom prst="straightConnector1">
               <a:avLst/>
@@ -5812,8 +5812,8 @@
               </p:nvSpPr>
               <p:spPr>
                 <a:xfrm>
-                  <a:off x="4250230" y="3724281"/>
-                  <a:ext cx="256403" cy="586820"/>
+                  <a:off x="4457311" y="3169593"/>
+                  <a:ext cx="137858" cy="307777"/>
                 </a:xfrm>
                 <a:prstGeom prst="rect">
                   <a:avLst/>
@@ -5858,8 +5858,8 @@
               </p:nvSpPr>
               <p:spPr>
                 <a:xfrm>
-                  <a:off x="4250230" y="3724281"/>
-                  <a:ext cx="256403" cy="586820"/>
+                  <a:off x="4457311" y="3169593"/>
+                  <a:ext cx="137858" cy="307777"/>
                 </a:xfrm>
                 <a:prstGeom prst="rect">
                   <a:avLst/>
@@ -5896,8 +5896,8 @@
               </p:nvSpPr>
               <p:spPr>
                 <a:xfrm>
-                  <a:off x="5572727" y="1501858"/>
-                  <a:ext cx="380010" cy="356259"/>
+                  <a:off x="5168365" y="2003970"/>
+                  <a:ext cx="204316" cy="186852"/>
                 </a:xfrm>
                 <a:prstGeom prst="ellipse">
                   <a:avLst/>
@@ -5962,8 +5962,8 @@
               </p:nvSpPr>
               <p:spPr>
                 <a:xfrm>
-                  <a:off x="5572727" y="1501858"/>
-                  <a:ext cx="380010" cy="356259"/>
+                  <a:off x="5168365" y="2003970"/>
+                  <a:ext cx="204316" cy="186852"/>
                 </a:xfrm>
                 <a:prstGeom prst="ellipse">
                   <a:avLst/>
@@ -6000,8 +6000,8 @@
               </p:nvSpPr>
               <p:spPr>
                 <a:xfrm>
-                  <a:off x="5572727" y="2462781"/>
-                  <a:ext cx="380010" cy="356259"/>
+                  <a:off x="5168365" y="2507958"/>
+                  <a:ext cx="204316" cy="186852"/>
                 </a:xfrm>
                 <a:prstGeom prst="ellipse">
                   <a:avLst/>
@@ -6066,8 +6066,8 @@
               </p:nvSpPr>
               <p:spPr>
                 <a:xfrm>
-                  <a:off x="5572727" y="2462781"/>
-                  <a:ext cx="380010" cy="356259"/>
+                  <a:off x="5168365" y="2507958"/>
+                  <a:ext cx="204316" cy="186852"/>
                 </a:xfrm>
                 <a:prstGeom prst="ellipse">
                   <a:avLst/>
@@ -6104,8 +6104,8 @@
               </p:nvSpPr>
               <p:spPr>
                 <a:xfrm>
-                  <a:off x="5572727" y="5015625"/>
-                  <a:ext cx="380010" cy="356259"/>
+                  <a:off x="5168365" y="3846881"/>
+                  <a:ext cx="204316" cy="186852"/>
                 </a:xfrm>
                 <a:prstGeom prst="ellipse">
                   <a:avLst/>
@@ -6170,8 +6170,8 @@
               </p:nvSpPr>
               <p:spPr>
                 <a:xfrm>
-                  <a:off x="5572727" y="5015625"/>
-                  <a:ext cx="380010" cy="356259"/>
+                  <a:off x="5168365" y="3846881"/>
+                  <a:ext cx="204316" cy="186852"/>
                 </a:xfrm>
                 <a:prstGeom prst="ellipse">
                   <a:avLst/>
@@ -6208,8 +6208,8 @@
               </p:nvSpPr>
               <p:spPr>
                 <a:xfrm>
-                  <a:off x="5639301" y="3722748"/>
-                  <a:ext cx="246862" cy="553998"/>
+                  <a:off x="5204159" y="3168789"/>
+                  <a:ext cx="165109" cy="369332"/>
                 </a:xfrm>
                 <a:prstGeom prst="rect">
                   <a:avLst/>
@@ -6230,7 +6230,7 @@
                       </m:oMathParaPr>
                       <m:oMath xmlns:m="http://schemas.openxmlformats.org/officeDocument/2006/math">
                         <m:r>
-                          <a:rPr lang="zh-TW" altLang="en-US" sz="3600" i="1" smtClean="0">
+                          <a:rPr lang="zh-TW" altLang="en-US" sz="2400" i="1" smtClean="0">
                             <a:latin typeface="Cambria Math" panose="02040503050406030204" pitchFamily="18" charset="0"/>
                           </a:rPr>
                           <m:t>⋮</m:t>
@@ -6238,7 +6238,7 @@
                       </m:oMath>
                     </m:oMathPara>
                   </a14:m>
-                  <a:endParaRPr lang="zh-TW" altLang="en-US" sz="1200" dirty="0"/>
+                  <a:endParaRPr lang="zh-TW" altLang="en-US" sz="1000" dirty="0"/>
                 </a:p>
               </p:txBody>
             </p:sp>
@@ -6254,8 +6254,8 @@
               </p:nvSpPr>
               <p:spPr>
                 <a:xfrm>
-                  <a:off x="5639301" y="3722748"/>
-                  <a:ext cx="246862" cy="553998"/>
+                  <a:off x="5204159" y="3168789"/>
+                  <a:ext cx="165109" cy="369332"/>
                 </a:xfrm>
                 <a:prstGeom prst="rect">
                   <a:avLst/>
@@ -6263,7 +6263,7 @@
                 <a:blipFill>
                   <a:blip r:embed="rId21"/>
                   <a:stretch>
-                    <a:fillRect b="-51064"/>
+                    <a:fillRect l="-40741" r="-40741" b="-5000"/>
                   </a:stretch>
                 </a:blipFill>
               </p:spPr>
@@ -6293,8 +6293,8 @@
           </p:nvCxnSpPr>
           <p:spPr>
             <a:xfrm flipV="1">
-              <a:off x="4563666" y="1679988"/>
-              <a:ext cx="1009061" cy="1"/>
+              <a:off x="4625833" y="2097397"/>
+              <a:ext cx="542532" cy="1"/>
             </a:xfrm>
             <a:prstGeom prst="straightConnector1">
               <a:avLst/>
@@ -6329,8 +6329,8 @@
           </p:nvCxnSpPr>
           <p:spPr>
             <a:xfrm flipV="1">
-              <a:off x="4563666" y="1679988"/>
-              <a:ext cx="1009061" cy="960923"/>
+              <a:off x="4625833" y="2097397"/>
+              <a:ext cx="542532" cy="503988"/>
             </a:xfrm>
             <a:prstGeom prst="straightConnector1">
               <a:avLst/>
@@ -6365,8 +6365,8 @@
           </p:nvCxnSpPr>
           <p:spPr>
             <a:xfrm flipV="1">
-              <a:off x="4563666" y="1679988"/>
-              <a:ext cx="1009061" cy="3508523"/>
+              <a:off x="4625833" y="2097397"/>
+              <a:ext cx="542532" cy="1840160"/>
             </a:xfrm>
             <a:prstGeom prst="straightConnector1">
               <a:avLst/>
@@ -6401,8 +6401,8 @@
           </p:nvCxnSpPr>
           <p:spPr>
             <a:xfrm>
-              <a:off x="4563666" y="1679989"/>
-              <a:ext cx="1009061" cy="960922"/>
+              <a:off x="4625833" y="2097397"/>
+              <a:ext cx="542532" cy="503987"/>
             </a:xfrm>
             <a:prstGeom prst="straightConnector1">
               <a:avLst/>
@@ -6437,8 +6437,8 @@
           </p:nvCxnSpPr>
           <p:spPr>
             <a:xfrm>
-              <a:off x="4563666" y="2640911"/>
-              <a:ext cx="1009061" cy="0"/>
+              <a:off x="4625833" y="2601384"/>
+              <a:ext cx="542532" cy="0"/>
             </a:xfrm>
             <a:prstGeom prst="straightConnector1">
               <a:avLst/>
@@ -6473,8 +6473,8 @@
           </p:nvCxnSpPr>
           <p:spPr>
             <a:xfrm>
-              <a:off x="4563666" y="2640911"/>
-              <a:ext cx="1009061" cy="2552844"/>
+              <a:off x="4625833" y="2601384"/>
+              <a:ext cx="542532" cy="1338923"/>
             </a:xfrm>
             <a:prstGeom prst="straightConnector1">
               <a:avLst/>
@@ -6509,8 +6509,8 @@
           </p:nvCxnSpPr>
           <p:spPr>
             <a:xfrm>
-              <a:off x="4563666" y="5188511"/>
-              <a:ext cx="1009061" cy="5244"/>
+              <a:off x="4625833" y="3937557"/>
+              <a:ext cx="542532" cy="2750"/>
             </a:xfrm>
             <a:prstGeom prst="straightConnector1">
               <a:avLst/>
@@ -6545,8 +6545,8 @@
           </p:nvCxnSpPr>
           <p:spPr>
             <a:xfrm flipV="1">
-              <a:off x="4563666" y="2514954"/>
-              <a:ext cx="1064712" cy="2673557"/>
+              <a:off x="4625833" y="2535322"/>
+              <a:ext cx="572453" cy="1402235"/>
             </a:xfrm>
             <a:prstGeom prst="straightConnector1">
               <a:avLst/>
@@ -6581,8 +6581,8 @@
           </p:nvCxnSpPr>
           <p:spPr>
             <a:xfrm>
-              <a:off x="4563666" y="1679989"/>
-              <a:ext cx="1009061" cy="3513766"/>
+              <a:off x="4625833" y="2097397"/>
+              <a:ext cx="542532" cy="1842910"/>
             </a:xfrm>
             <a:prstGeom prst="straightConnector1">
               <a:avLst/>
@@ -6614,8 +6614,8 @@
           </p:nvSpPr>
           <p:spPr>
             <a:xfrm>
-              <a:off x="437245" y="6236156"/>
-              <a:ext cx="1102993" cy="770320"/>
+              <a:off x="2407221" y="4487029"/>
+              <a:ext cx="593035" cy="404020"/>
             </a:xfrm>
             <a:prstGeom prst="rect">
               <a:avLst/>
@@ -6660,8 +6660,8 @@
           </p:nvSpPr>
           <p:spPr>
             <a:xfrm>
-              <a:off x="1768260" y="6234068"/>
-              <a:ext cx="1791766" cy="770320"/>
+              <a:off x="3122855" y="4485933"/>
+              <a:ext cx="963361" cy="404020"/>
             </a:xfrm>
             <a:prstGeom prst="rect">
               <a:avLst/>
@@ -6706,8 +6706,8 @@
           </p:nvSpPr>
           <p:spPr>
             <a:xfrm>
-              <a:off x="3685881" y="6229776"/>
-              <a:ext cx="1332583" cy="770320"/>
+              <a:off x="4153883" y="4483682"/>
+              <a:ext cx="716477" cy="404020"/>
             </a:xfrm>
             <a:prstGeom prst="rect">
               <a:avLst/>
@@ -6752,8 +6752,8 @@
           </p:nvSpPr>
           <p:spPr>
             <a:xfrm>
-              <a:off x="7154804" y="6245969"/>
-              <a:ext cx="1332585" cy="770320"/>
+              <a:off x="6018985" y="4492175"/>
+              <a:ext cx="716478" cy="404020"/>
             </a:xfrm>
             <a:prstGeom prst="rect">
               <a:avLst/>
@@ -6798,8 +6798,8 @@
           </p:nvSpPr>
           <p:spPr>
             <a:xfrm>
-              <a:off x="9072161" y="6236156"/>
-              <a:ext cx="1102993" cy="770320"/>
+              <a:off x="7049872" y="4487029"/>
+              <a:ext cx="593035" cy="404020"/>
             </a:xfrm>
             <a:prstGeom prst="rect">
               <a:avLst/>
@@ -6844,8 +6844,8 @@
           </p:nvSpPr>
           <p:spPr>
             <a:xfrm>
-              <a:off x="5156412" y="6229776"/>
-              <a:ext cx="1332583" cy="770320"/>
+              <a:off x="4944529" y="4483682"/>
+              <a:ext cx="716477" cy="404020"/>
             </a:xfrm>
             <a:prstGeom prst="rect">
               <a:avLst/>
@@ -6893,8 +6893,8 @@
           </p:nvCxnSpPr>
           <p:spPr>
             <a:xfrm>
-              <a:off x="5952737" y="1679988"/>
-              <a:ext cx="1701398" cy="70438"/>
+              <a:off x="5372682" y="2097397"/>
+              <a:ext cx="914774" cy="36944"/>
             </a:xfrm>
             <a:prstGeom prst="straightConnector1">
               <a:avLst/>
@@ -6929,8 +6929,8 @@
           </p:nvCxnSpPr>
           <p:spPr>
             <a:xfrm>
-              <a:off x="5952737" y="1679988"/>
-              <a:ext cx="1669489" cy="960923"/>
+              <a:off x="5372682" y="2097397"/>
+              <a:ext cx="897618" cy="503988"/>
             </a:xfrm>
             <a:prstGeom prst="straightConnector1">
               <a:avLst/>
@@ -6965,8 +6965,8 @@
           </p:nvCxnSpPr>
           <p:spPr>
             <a:xfrm>
-              <a:off x="5952737" y="1679988"/>
-              <a:ext cx="1644261" cy="3518556"/>
+              <a:off x="5372682" y="2097397"/>
+              <a:ext cx="884054" cy="1845422"/>
             </a:xfrm>
             <a:prstGeom prst="straightConnector1">
               <a:avLst/>
@@ -7001,8 +7001,8 @@
           </p:nvCxnSpPr>
           <p:spPr>
             <a:xfrm>
-              <a:off x="5952737" y="2640911"/>
-              <a:ext cx="1669489" cy="0"/>
+              <a:off x="5372682" y="2601384"/>
+              <a:ext cx="897618" cy="0"/>
             </a:xfrm>
             <a:prstGeom prst="straightConnector1">
               <a:avLst/>
@@ -7037,8 +7037,8 @@
           </p:nvCxnSpPr>
           <p:spPr>
             <a:xfrm flipV="1">
-              <a:off x="5952737" y="1750426"/>
-              <a:ext cx="1701398" cy="890485"/>
+              <a:off x="5372682" y="2134340"/>
+              <a:ext cx="914774" cy="467044"/>
             </a:xfrm>
             <a:prstGeom prst="straightConnector1">
               <a:avLst/>
@@ -7073,8 +7073,8 @@
           </p:nvCxnSpPr>
           <p:spPr>
             <a:xfrm>
-              <a:off x="5952737" y="2640911"/>
-              <a:ext cx="1644261" cy="2557633"/>
+              <a:off x="5372682" y="2601384"/>
+              <a:ext cx="884054" cy="1341435"/>
             </a:xfrm>
             <a:prstGeom prst="straightConnector1">
               <a:avLst/>
@@ -7109,8 +7109,8 @@
           </p:nvCxnSpPr>
           <p:spPr>
             <a:xfrm flipV="1">
-              <a:off x="5952737" y="1750426"/>
-              <a:ext cx="1701398" cy="3443329"/>
+              <a:off x="5372682" y="2134340"/>
+              <a:ext cx="914774" cy="1805967"/>
             </a:xfrm>
             <a:prstGeom prst="straightConnector1">
               <a:avLst/>
@@ -7145,8 +7145,8 @@
           </p:nvCxnSpPr>
           <p:spPr>
             <a:xfrm flipV="1">
-              <a:off x="5952737" y="2640911"/>
-              <a:ext cx="1669489" cy="2552844"/>
+              <a:off x="5372682" y="2601384"/>
+              <a:ext cx="897618" cy="1338923"/>
             </a:xfrm>
             <a:prstGeom prst="straightConnector1">
               <a:avLst/>
@@ -7181,8 +7181,8 @@
           </p:nvCxnSpPr>
           <p:spPr>
             <a:xfrm>
-              <a:off x="5952737" y="5193755"/>
-              <a:ext cx="1644261" cy="4789"/>
+              <a:off x="5372682" y="3940307"/>
+              <a:ext cx="884054" cy="2512"/>
             </a:xfrm>
             <a:prstGeom prst="straightConnector1">
               <a:avLst/>
@@ -7216,8 +7216,8 @@
               </p:nvSpPr>
               <p:spPr>
                 <a:xfrm>
-                  <a:off x="7654135" y="1572296"/>
-                  <a:ext cx="380010" cy="356259"/>
+                  <a:off x="6287455" y="2040914"/>
+                  <a:ext cx="204316" cy="186852"/>
                 </a:xfrm>
                 <a:prstGeom prst="ellipse">
                   <a:avLst/>
@@ -7282,8 +7282,8 @@
               </p:nvSpPr>
               <p:spPr>
                 <a:xfrm>
-                  <a:off x="7654135" y="1572296"/>
-                  <a:ext cx="380010" cy="356259"/>
+                  <a:off x="6287455" y="2040914"/>
+                  <a:ext cx="204316" cy="186852"/>
                 </a:xfrm>
                 <a:prstGeom prst="ellipse">
                   <a:avLst/>
@@ -7320,8 +7320,8 @@
               </p:nvSpPr>
               <p:spPr>
                 <a:xfrm>
-                  <a:off x="7622226" y="2462781"/>
-                  <a:ext cx="380010" cy="356259"/>
+                  <a:off x="6270299" y="2507958"/>
+                  <a:ext cx="204316" cy="186852"/>
                 </a:xfrm>
                 <a:prstGeom prst="ellipse">
                   <a:avLst/>
@@ -7386,8 +7386,8 @@
               </p:nvSpPr>
               <p:spPr>
                 <a:xfrm>
-                  <a:off x="7622226" y="2462781"/>
-                  <a:ext cx="380010" cy="356259"/>
+                  <a:off x="6270299" y="2507958"/>
+                  <a:ext cx="204316" cy="186852"/>
                 </a:xfrm>
                 <a:prstGeom prst="ellipse">
                   <a:avLst/>
@@ -7424,8 +7424,8 @@
               </p:nvSpPr>
               <p:spPr>
                 <a:xfrm>
-                  <a:off x="7596998" y="5020414"/>
-                  <a:ext cx="380010" cy="356259"/>
+                  <a:off x="6256735" y="3849393"/>
+                  <a:ext cx="204316" cy="186852"/>
                 </a:xfrm>
                 <a:prstGeom prst="ellipse">
                   <a:avLst/>
@@ -7490,8 +7490,8 @@
               </p:nvSpPr>
               <p:spPr>
                 <a:xfrm>
-                  <a:off x="7596998" y="5020414"/>
-                  <a:ext cx="380010" cy="356259"/>
+                  <a:off x="6256735" y="3849393"/>
+                  <a:ext cx="204316" cy="186852"/>
                 </a:xfrm>
                 <a:prstGeom prst="ellipse">
                   <a:avLst/>
@@ -7528,8 +7528,8 @@
               </p:nvSpPr>
               <p:spPr>
                 <a:xfrm>
-                  <a:off x="7681409" y="3687047"/>
-                  <a:ext cx="246862" cy="553998"/>
+                  <a:off x="6302120" y="3150065"/>
+                  <a:ext cx="137858" cy="307777"/>
                 </a:xfrm>
                 <a:prstGeom prst="rect">
                   <a:avLst/>
@@ -7550,7 +7550,7 @@
                       </m:oMathParaPr>
                       <m:oMath xmlns:m="http://schemas.openxmlformats.org/officeDocument/2006/math">
                         <m:r>
-                          <a:rPr lang="zh-TW" altLang="en-US" sz="3600" i="1" smtClean="0">
+                          <a:rPr lang="zh-TW" altLang="en-US" sz="2000" i="1" smtClean="0">
                             <a:latin typeface="Cambria Math" panose="02040503050406030204" pitchFamily="18" charset="0"/>
                           </a:rPr>
                           <m:t>⋮</m:t>
@@ -7558,7 +7558,7 @@
                       </m:oMath>
                     </m:oMathPara>
                   </a14:m>
-                  <a:endParaRPr lang="zh-TW" altLang="en-US" sz="1200" dirty="0"/>
+                  <a:endParaRPr lang="zh-TW" altLang="en-US" sz="900" dirty="0"/>
                 </a:p>
               </p:txBody>
             </p:sp>
@@ -7574,8 +7574,8 @@
               </p:nvSpPr>
               <p:spPr>
                 <a:xfrm>
-                  <a:off x="7681409" y="3687047"/>
-                  <a:ext cx="246862" cy="553998"/>
+                  <a:off x="6302120" y="3150065"/>
+                  <a:ext cx="137858" cy="307777"/>
                 </a:xfrm>
                 <a:prstGeom prst="rect">
                   <a:avLst/>
@@ -7583,7 +7583,7 @@
                 <a:blipFill>
                   <a:blip r:embed="rId23"/>
                   <a:stretch>
-                    <a:fillRect b="-51064"/>
+                    <a:fillRect l="-40909" r="-45455" b="-6000"/>
                   </a:stretch>
                 </a:blipFill>
               </p:spPr>
@@ -7610,8 +7610,8 @@
           </p:nvSpPr>
           <p:spPr>
             <a:xfrm>
-              <a:off x="9286317" y="1347512"/>
-              <a:ext cx="674681" cy="4898456"/>
+              <a:off x="7165015" y="1923019"/>
+              <a:ext cx="362749" cy="2569156"/>
             </a:xfrm>
             <a:prstGeom prst="rect">
               <a:avLst/>
@@ -7655,8 +7655,8 @@
               </p:nvSpPr>
               <p:spPr>
                 <a:xfrm>
-                  <a:off x="9556769" y="3586873"/>
-                  <a:ext cx="380010" cy="356259"/>
+                  <a:off x="7310426" y="3097525"/>
+                  <a:ext cx="204316" cy="186852"/>
                 </a:xfrm>
                 <a:prstGeom prst="ellipse">
                   <a:avLst/>
@@ -7730,8 +7730,8 @@
               </p:nvSpPr>
               <p:spPr>
                 <a:xfrm>
-                  <a:off x="9556769" y="3586873"/>
-                  <a:ext cx="380010" cy="356259"/>
+                  <a:off x="7310426" y="3097525"/>
+                  <a:ext cx="204316" cy="186852"/>
                 </a:xfrm>
                 <a:prstGeom prst="ellipse">
                   <a:avLst/>
@@ -7769,8 +7769,8 @@
           </p:nvCxnSpPr>
           <p:spPr>
             <a:xfrm>
-              <a:off x="8034145" y="1750426"/>
-              <a:ext cx="1578275" cy="1888620"/>
+              <a:off x="6491772" y="2134340"/>
+              <a:ext cx="848576" cy="990549"/>
             </a:xfrm>
             <a:prstGeom prst="straightConnector1">
               <a:avLst/>
@@ -7805,8 +7805,8 @@
           </p:nvCxnSpPr>
           <p:spPr>
             <a:xfrm>
-              <a:off x="8002236" y="2640911"/>
-              <a:ext cx="1554533" cy="1124092"/>
+              <a:off x="6474616" y="2601384"/>
+              <a:ext cx="835811" cy="589567"/>
             </a:xfrm>
             <a:prstGeom prst="straightConnector1">
               <a:avLst/>
@@ -7841,8 +7841,8 @@
           </p:nvCxnSpPr>
           <p:spPr>
             <a:xfrm flipV="1">
-              <a:off x="7977008" y="3890959"/>
-              <a:ext cx="1635412" cy="1307585"/>
+              <a:off x="6461051" y="3257013"/>
+              <a:ext cx="879296" cy="685806"/>
             </a:xfrm>
             <a:prstGeom prst="straightConnector1">
               <a:avLst/>
@@ -7877,8 +7877,8 @@
           </p:nvCxnSpPr>
           <p:spPr>
             <a:xfrm flipV="1">
-              <a:off x="1065380" y="144671"/>
-              <a:ext cx="277641" cy="1843304"/>
+              <a:off x="2744944" y="1292149"/>
+              <a:ext cx="149277" cy="966781"/>
             </a:xfrm>
             <a:prstGeom prst="straightConnector1">
               <a:avLst/>
@@ -7913,8 +7913,8 @@
           </p:nvCxnSpPr>
           <p:spPr>
             <a:xfrm flipV="1">
-              <a:off x="1065380" y="144671"/>
-              <a:ext cx="277641" cy="3273991"/>
+              <a:off x="2744944" y="1292149"/>
+              <a:ext cx="149277" cy="1717152"/>
             </a:xfrm>
             <a:prstGeom prst="straightConnector1">
               <a:avLst/>
@@ -7949,8 +7949,8 @@
           </p:nvCxnSpPr>
           <p:spPr>
             <a:xfrm flipV="1">
-              <a:off x="1065380" y="144671"/>
-              <a:ext cx="277641" cy="5211937"/>
+              <a:off x="2744944" y="1292149"/>
+              <a:ext cx="149277" cy="2733572"/>
             </a:xfrm>
             <a:prstGeom prst="straightConnector1">
               <a:avLst/>
@@ -7982,8 +7982,8 @@
           </p:nvSpPr>
           <p:spPr>
             <a:xfrm flipV="1">
-              <a:off x="1343021" y="121812"/>
-              <a:ext cx="6742752" cy="45719"/>
+              <a:off x="2894221" y="1280160"/>
+              <a:ext cx="3625309" cy="23979"/>
             </a:xfrm>
             <a:prstGeom prst="rect">
               <a:avLst/>
@@ -8027,8 +8027,8 @@
           </p:nvCxnSpPr>
           <p:spPr>
             <a:xfrm>
-              <a:off x="8085773" y="144671"/>
-              <a:ext cx="1134" cy="1176660"/>
+              <a:off x="6519530" y="1292149"/>
+              <a:ext cx="610" cy="617138"/>
             </a:xfrm>
             <a:prstGeom prst="straightConnector1">
               <a:avLst/>
@@ -8060,8 +8060,8 @@
           </p:nvSpPr>
           <p:spPr>
             <a:xfrm flipV="1">
-              <a:off x="6208295" y="461229"/>
-              <a:ext cx="1620126" cy="45719"/>
+              <a:off x="5510085" y="1458178"/>
+              <a:ext cx="871077" cy="23979"/>
             </a:xfrm>
             <a:prstGeom prst="rect">
               <a:avLst/>
@@ -8106,8 +8106,8 @@
           </p:nvCxnSpPr>
           <p:spPr>
             <a:xfrm>
-              <a:off x="7828421" y="484088"/>
-              <a:ext cx="0" cy="853612"/>
+              <a:off x="6381162" y="1470168"/>
+              <a:ext cx="0" cy="447705"/>
             </a:xfrm>
             <a:prstGeom prst="straightConnector1">
               <a:avLst/>
@@ -8142,8 +8142,8 @@
           </p:nvCxnSpPr>
           <p:spPr>
             <a:xfrm flipV="1">
-              <a:off x="5762732" y="484088"/>
-              <a:ext cx="445563" cy="1017770"/>
+              <a:off x="5270523" y="1470168"/>
+              <a:ext cx="239561" cy="533803"/>
             </a:xfrm>
             <a:prstGeom prst="straightConnector1">
               <a:avLst/>
@@ -8178,8 +8178,8 @@
           </p:nvCxnSpPr>
           <p:spPr>
             <a:xfrm flipV="1">
-              <a:off x="5897086" y="484088"/>
-              <a:ext cx="311209" cy="2030866"/>
+              <a:off x="5342760" y="1470168"/>
+              <a:ext cx="167325" cy="1065154"/>
             </a:xfrm>
             <a:prstGeom prst="straightConnector1">
               <a:avLst/>
@@ -8214,8 +8214,8 @@
           </p:nvCxnSpPr>
           <p:spPr>
             <a:xfrm flipV="1">
-              <a:off x="5897086" y="484088"/>
-              <a:ext cx="311209" cy="4583710"/>
+              <a:off x="5342760" y="1470168"/>
+              <a:ext cx="167325" cy="2404077"/>
             </a:xfrm>
             <a:prstGeom prst="straightConnector1">
               <a:avLst/>
@@ -8249,8 +8249,8 @@
           </p:nvCxnSpPr>
           <p:spPr>
             <a:xfrm flipV="1">
-              <a:off x="9936779" y="3765002"/>
-              <a:ext cx="832263" cy="1"/>
+              <a:off x="7514742" y="3190951"/>
+              <a:ext cx="447475" cy="1"/>
             </a:xfrm>
             <a:prstGeom prst="straightConnector1">
               <a:avLst/>
@@ -8284,8 +8284,8 @@
               </p:nvSpPr>
               <p:spPr>
                 <a:xfrm>
-                  <a:off x="10256252" y="3010688"/>
-                  <a:ext cx="376193" cy="411651"/>
+                  <a:off x="7686510" y="2795326"/>
+                  <a:ext cx="202264" cy="215904"/>
                 </a:xfrm>
                 <a:prstGeom prst="rect">
                   <a:avLst/>
@@ -8353,8 +8353,8 @@
               </p:nvSpPr>
               <p:spPr>
                 <a:xfrm>
-                  <a:off x="10256252" y="3010688"/>
-                  <a:ext cx="376193" cy="411651"/>
+                  <a:off x="7686510" y="2795326"/>
+                  <a:ext cx="202264" cy="215904"/>
                 </a:xfrm>
                 <a:prstGeom prst="rect">
                   <a:avLst/>
@@ -8391,8 +8391,8 @@
               </p:nvSpPr>
               <p:spPr>
                 <a:xfrm>
-                  <a:off x="3213046" y="1234333"/>
-                  <a:ext cx="347669" cy="352092"/>
+                  <a:off x="3899659" y="1863658"/>
+                  <a:ext cx="186928" cy="184666"/>
                 </a:xfrm>
                 <a:prstGeom prst="rect">
                   <a:avLst/>
@@ -8458,8 +8458,8 @@
               </p:nvSpPr>
               <p:spPr>
                 <a:xfrm>
-                  <a:off x="3213046" y="1234333"/>
-                  <a:ext cx="347669" cy="352092"/>
+                  <a:off x="3899659" y="1863658"/>
+                  <a:ext cx="186928" cy="184666"/>
                 </a:xfrm>
                 <a:prstGeom prst="rect">
                   <a:avLst/>
@@ -8496,8 +8496,8 @@
               </p:nvSpPr>
               <p:spPr>
                 <a:xfrm>
-                  <a:off x="4720625" y="1161926"/>
-                  <a:ext cx="954657" cy="580341"/>
+                  <a:off x="4710224" y="1825682"/>
+                  <a:ext cx="513281" cy="304379"/>
                 </a:xfrm>
                 <a:prstGeom prst="rect">
                   <a:avLst/>
@@ -8597,8 +8597,8 @@
               </p:nvSpPr>
               <p:spPr>
                 <a:xfrm>
-                  <a:off x="4720625" y="1161926"/>
-                  <a:ext cx="954657" cy="580341"/>
+                  <a:off x="4710224" y="1825682"/>
+                  <a:ext cx="513281" cy="304379"/>
                 </a:xfrm>
                 <a:prstGeom prst="rect">
                   <a:avLst/>
@@ -8635,8 +8635,8 @@
               </p:nvSpPr>
               <p:spPr>
                 <a:xfrm>
-                  <a:off x="4757180" y="2221051"/>
-                  <a:ext cx="323076" cy="580341"/>
+                  <a:off x="4729878" y="2381175"/>
+                  <a:ext cx="173705" cy="304379"/>
                 </a:xfrm>
                 <a:prstGeom prst="rect">
                   <a:avLst/>
@@ -8736,8 +8736,8 @@
               </p:nvSpPr>
               <p:spPr>
                 <a:xfrm>
-                  <a:off x="4757180" y="2221051"/>
-                  <a:ext cx="323076" cy="580341"/>
+                  <a:off x="4729878" y="2381175"/>
+                  <a:ext cx="173705" cy="304379"/>
                 </a:xfrm>
                 <a:prstGeom prst="rect">
                   <a:avLst/>
@@ -8774,8 +8774,8 @@
               </p:nvSpPr>
               <p:spPr>
                 <a:xfrm>
-                  <a:off x="4678047" y="4752055"/>
-                  <a:ext cx="323076" cy="580341"/>
+                  <a:off x="4687331" y="3708643"/>
+                  <a:ext cx="173705" cy="304379"/>
                 </a:xfrm>
                 <a:prstGeom prst="rect">
                   <a:avLst/>
@@ -8875,8 +8875,8 @@
               </p:nvSpPr>
               <p:spPr>
                 <a:xfrm>
-                  <a:off x="4678047" y="4752055"/>
-                  <a:ext cx="323076" cy="580341"/>
+                  <a:off x="4687331" y="3708643"/>
+                  <a:ext cx="173705" cy="304379"/>
                 </a:xfrm>
                 <a:prstGeom prst="rect">
                   <a:avLst/>
@@ -8913,8 +8913,8 @@
               </p:nvSpPr>
               <p:spPr>
                 <a:xfrm>
-                  <a:off x="6166103" y="1209476"/>
-                  <a:ext cx="861040" cy="580341"/>
+                  <a:off x="5487400" y="1850621"/>
+                  <a:ext cx="462947" cy="304379"/>
                 </a:xfrm>
                 <a:prstGeom prst="rect">
                   <a:avLst/>
@@ -8989,8 +8989,8 @@
               </p:nvSpPr>
               <p:spPr>
                 <a:xfrm>
-                  <a:off x="6166103" y="1209476"/>
-                  <a:ext cx="861040" cy="580341"/>
+                  <a:off x="5487400" y="1850621"/>
+                  <a:ext cx="462947" cy="304379"/>
                 </a:xfrm>
                 <a:prstGeom prst="rect">
                   <a:avLst/>
@@ -9027,8 +9027,8 @@
               </p:nvSpPr>
               <p:spPr>
                 <a:xfrm>
-                  <a:off x="6279407" y="2207377"/>
-                  <a:ext cx="861040" cy="580341"/>
+                  <a:off x="5548319" y="2374003"/>
+                  <a:ext cx="462947" cy="304379"/>
                 </a:xfrm>
                 <a:prstGeom prst="rect">
                   <a:avLst/>
@@ -9103,8 +9103,8 @@
               </p:nvSpPr>
               <p:spPr>
                 <a:xfrm>
-                  <a:off x="6279407" y="2207377"/>
-                  <a:ext cx="861040" cy="580341"/>
+                  <a:off x="5548319" y="2374003"/>
+                  <a:ext cx="462947" cy="304379"/>
                 </a:xfrm>
                 <a:prstGeom prst="rect">
                   <a:avLst/>
@@ -9141,8 +9141,8 @@
               </p:nvSpPr>
               <p:spPr>
                 <a:xfrm>
-                  <a:off x="6188483" y="4750856"/>
-                  <a:ext cx="894195" cy="580341"/>
+                  <a:off x="5499433" y="3708014"/>
+                  <a:ext cx="480773" cy="304379"/>
                 </a:xfrm>
                 <a:prstGeom prst="rect">
                   <a:avLst/>
@@ -9229,8 +9229,8 @@
               </p:nvSpPr>
               <p:spPr>
                 <a:xfrm>
-                  <a:off x="6188483" y="4750856"/>
-                  <a:ext cx="894195" cy="580341"/>
+                  <a:off x="5499433" y="3708014"/>
+                  <a:ext cx="480773" cy="304379"/>
                 </a:xfrm>
                 <a:prstGeom prst="rect">
                   <a:avLst/>
@@ -9267,8 +9267,8 @@
               </p:nvSpPr>
               <p:spPr>
                 <a:xfrm>
-                  <a:off x="8111780" y="1476726"/>
-                  <a:ext cx="891094" cy="581929"/>
+                  <a:off x="6533513" y="1990789"/>
+                  <a:ext cx="479106" cy="305212"/>
                 </a:xfrm>
                 <a:prstGeom prst="rect">
                   <a:avLst/>
@@ -9355,8 +9355,8 @@
               </p:nvSpPr>
               <p:spPr>
                 <a:xfrm>
-                  <a:off x="8111780" y="1476726"/>
-                  <a:ext cx="891094" cy="581929"/>
+                  <a:off x="6533513" y="1990789"/>
+                  <a:ext cx="479106" cy="305212"/>
                 </a:xfrm>
                 <a:prstGeom prst="rect">
                   <a:avLst/>
@@ -9393,8 +9393,8 @@
               </p:nvSpPr>
               <p:spPr>
                 <a:xfrm>
-                  <a:off x="8003550" y="2271857"/>
-                  <a:ext cx="978867" cy="649537"/>
+                  <a:off x="6475322" y="2407822"/>
+                  <a:ext cx="526298" cy="340671"/>
                 </a:xfrm>
                 <a:prstGeom prst="rect">
                   <a:avLst/>
@@ -9481,8 +9481,8 @@
               </p:nvSpPr>
               <p:spPr>
                 <a:xfrm>
-                  <a:off x="8003550" y="2271857"/>
-                  <a:ext cx="978867" cy="649537"/>
+                  <a:off x="6475322" y="2407822"/>
+                  <a:ext cx="526298" cy="340671"/>
                 </a:xfrm>
                 <a:prstGeom prst="rect">
                   <a:avLst/>
@@ -9519,8 +9519,8 @@
               </p:nvSpPr>
               <p:spPr>
                 <a:xfrm>
-                  <a:off x="8165760" y="4734474"/>
-                  <a:ext cx="1022038" cy="649537"/>
+                  <a:off x="6562536" y="3699422"/>
+                  <a:ext cx="549509" cy="340671"/>
                 </a:xfrm>
                 <a:prstGeom prst="rect">
                   <a:avLst/>
@@ -9619,8 +9619,8 @@
               </p:nvSpPr>
               <p:spPr>
                 <a:xfrm>
-                  <a:off x="8165760" y="4734474"/>
-                  <a:ext cx="1022038" cy="649537"/>
+                  <a:off x="6562536" y="3699422"/>
+                  <a:ext cx="549509" cy="340671"/>
                 </a:xfrm>
                 <a:prstGeom prst="rect">
                   <a:avLst/>
@@ -9629,6 +9629,591 @@
                   <a:blip r:embed="rId35"/>
                   <a:stretch>
                     <a:fillRect b="-1786"/>
+                  </a:stretch>
+                </a:blipFill>
+              </p:spPr>
+              <p:txBody>
+                <a:bodyPr/>
+                <a:lstStyle/>
+                <a:p>
+                  <a:r>
+                    <a:rPr lang="en-US">
+                      <a:noFill/>
+                    </a:rPr>
+                    <a:t> </a:t>
+                  </a:r>
+                </a:p>
+              </p:txBody>
+            </p:sp>
+          </mc:Fallback>
+        </mc:AlternateContent>
+        <mc:AlternateContent xmlns:mc="http://schemas.openxmlformats.org/markup-compatibility/2006">
+          <mc:Choice xmlns:a14="http://schemas.microsoft.com/office/drawing/2010/main" Requires="a14">
+            <p:sp>
+              <p:nvSpPr>
+                <p:cNvPr id="2" name="文字方塊 1"/>
+                <p:cNvSpPr txBox="1"/>
+                <p:nvPr/>
+              </p:nvSpPr>
+              <p:spPr>
+                <a:xfrm>
+                  <a:off x="1783572" y="2172279"/>
+                  <a:ext cx="267499" cy="307777"/>
+                </a:xfrm>
+                <a:prstGeom prst="rect">
+                  <a:avLst/>
+                </a:prstGeom>
+                <a:noFill/>
+              </p:spPr>
+              <p:txBody>
+                <a:bodyPr wrap="square" rtlCol="0">
+                  <a:spAutoFit/>
+                </a:bodyPr>
+                <a:lstStyle/>
+                <a:p>
+                  <a:pPr algn="ctr"/>
+                  <a14:m>
+                    <m:oMathPara xmlns:m="http://schemas.openxmlformats.org/officeDocument/2006/math">
+                      <m:oMathParaPr>
+                        <m:jc m:val="centerGroup"/>
+                      </m:oMathParaPr>
+                      <m:oMath xmlns:m="http://schemas.openxmlformats.org/officeDocument/2006/math">
+                        <m:sSub>
+                          <m:sSubPr>
+                            <m:ctrlPr>
+                              <a:rPr lang="en-US" altLang="zh-TW" sz="1400" i="1">
+                                <a:latin typeface="Cambria Math" panose="02040503050406030204" pitchFamily="18" charset="0"/>
+                              </a:rPr>
+                            </m:ctrlPr>
+                          </m:sSubPr>
+                          <m:e>
+                            <m:r>
+                              <a:rPr lang="en-US" altLang="zh-TW" sz="1400" i="1">
+                                <a:latin typeface="Cambria Math" panose="02040503050406030204" pitchFamily="18" charset="0"/>
+                              </a:rPr>
+                              <m:t>h</m:t>
+                            </m:r>
+                          </m:e>
+                          <m:sub>
+                            <m:r>
+                              <a:rPr lang="en-US" altLang="zh-TW" sz="1400" i="1">
+                                <a:latin typeface="Cambria Math" panose="02040503050406030204" pitchFamily="18" charset="0"/>
+                              </a:rPr>
+                              <m:t>1</m:t>
+                            </m:r>
+                          </m:sub>
+                        </m:sSub>
+                      </m:oMath>
+                    </m:oMathPara>
+                  </a14:m>
+                  <a:endParaRPr lang="en-US" dirty="0"/>
+                </a:p>
+              </p:txBody>
+            </p:sp>
+          </mc:Choice>
+          <mc:Fallback>
+            <p:sp>
+              <p:nvSpPr>
+                <p:cNvPr id="2" name="文字方塊 1"/>
+                <p:cNvSpPr txBox="1">
+                  <a:spLocks noRot="1" noChangeAspect="1" noMove="1" noResize="1" noEditPoints="1" noAdjustHandles="1" noChangeArrowheads="1" noChangeShapeType="1" noTextEdit="1"/>
+                </p:cNvSpPr>
+                <p:nvPr/>
+              </p:nvSpPr>
+              <p:spPr>
+                <a:xfrm>
+                  <a:off x="1783572" y="2172279"/>
+                  <a:ext cx="267499" cy="307777"/>
+                </a:xfrm>
+                <a:prstGeom prst="rect">
+                  <a:avLst/>
+                </a:prstGeom>
+                <a:blipFill>
+                  <a:blip r:embed="rId36"/>
+                  <a:stretch>
+                    <a:fillRect l="-16279"/>
+                  </a:stretch>
+                </a:blipFill>
+              </p:spPr>
+              <p:txBody>
+                <a:bodyPr/>
+                <a:lstStyle/>
+                <a:p>
+                  <a:r>
+                    <a:rPr lang="en-US">
+                      <a:noFill/>
+                    </a:rPr>
+                    <a:t> </a:t>
+                  </a:r>
+                </a:p>
+              </p:txBody>
+            </p:sp>
+          </mc:Fallback>
+        </mc:AlternateContent>
+        <p:cxnSp>
+          <p:nvCxnSpPr>
+            <p:cNvPr id="103" name="直線單箭頭接點 102"/>
+            <p:cNvCxnSpPr>
+              <a:stCxn id="2" idx="3"/>
+              <a:endCxn id="4" idx="2"/>
+            </p:cNvCxnSpPr>
+            <p:nvPr/>
+          </p:nvCxnSpPr>
+          <p:spPr>
+            <a:xfrm flipV="1">
+              <a:off x="2051071" y="2324993"/>
+              <a:ext cx="519478" cy="1175"/>
+            </a:xfrm>
+            <a:prstGeom prst="straightConnector1">
+              <a:avLst/>
+            </a:prstGeom>
+            <a:ln>
+              <a:tailEnd type="triangle"/>
+            </a:ln>
+          </p:spPr>
+          <p:style>
+            <a:lnRef idx="1">
+              <a:schemeClr val="accent1"/>
+            </a:lnRef>
+            <a:fillRef idx="0">
+              <a:schemeClr val="accent1"/>
+            </a:fillRef>
+            <a:effectRef idx="0">
+              <a:schemeClr val="accent1"/>
+            </a:effectRef>
+            <a:fontRef idx="minor">
+              <a:schemeClr val="tx1"/>
+            </a:fontRef>
+          </p:style>
+        </p:cxnSp>
+        <mc:AlternateContent xmlns:mc="http://schemas.openxmlformats.org/markup-compatibility/2006">
+          <mc:Choice xmlns:a14="http://schemas.microsoft.com/office/drawing/2010/main" Requires="a14">
+            <p:sp>
+              <p:nvSpPr>
+                <p:cNvPr id="107" name="文字方塊 106"/>
+                <p:cNvSpPr txBox="1"/>
+                <p:nvPr/>
+              </p:nvSpPr>
+              <p:spPr>
+                <a:xfrm>
+                  <a:off x="1775932" y="2921478"/>
+                  <a:ext cx="275139" cy="307777"/>
+                </a:xfrm>
+                <a:prstGeom prst="rect">
+                  <a:avLst/>
+                </a:prstGeom>
+                <a:noFill/>
+              </p:spPr>
+              <p:txBody>
+                <a:bodyPr wrap="square" rtlCol="0">
+                  <a:spAutoFit/>
+                </a:bodyPr>
+                <a:lstStyle/>
+                <a:p>
+                  <a:pPr algn="ctr"/>
+                  <a14:m>
+                    <m:oMathPara xmlns:m="http://schemas.openxmlformats.org/officeDocument/2006/math">
+                      <m:oMathParaPr>
+                        <m:jc m:val="centerGroup"/>
+                      </m:oMathParaPr>
+                      <m:oMath xmlns:m="http://schemas.openxmlformats.org/officeDocument/2006/math">
+                        <m:sSub>
+                          <m:sSubPr>
+                            <m:ctrlPr>
+                              <a:rPr lang="en-US" altLang="zh-TW" sz="1400" i="1">
+                                <a:latin typeface="Cambria Math" panose="02040503050406030204" pitchFamily="18" charset="0"/>
+                              </a:rPr>
+                            </m:ctrlPr>
+                          </m:sSubPr>
+                          <m:e>
+                            <m:r>
+                              <a:rPr lang="en-US" altLang="zh-TW" sz="1400" i="1">
+                                <a:latin typeface="Cambria Math" panose="02040503050406030204" pitchFamily="18" charset="0"/>
+                              </a:rPr>
+                              <m:t>h</m:t>
+                            </m:r>
+                          </m:e>
+                          <m:sub>
+                            <m:r>
+                              <a:rPr lang="en-US" altLang="zh-TW" sz="1400" i="1" smtClean="0">
+                                <a:latin typeface="Cambria Math" panose="02040503050406030204" pitchFamily="18" charset="0"/>
+                              </a:rPr>
+                              <m:t>2</m:t>
+                            </m:r>
+                          </m:sub>
+                        </m:sSub>
+                      </m:oMath>
+                    </m:oMathPara>
+                  </a14:m>
+                  <a:endParaRPr lang="en-US" dirty="0"/>
+                </a:p>
+              </p:txBody>
+            </p:sp>
+          </mc:Choice>
+          <mc:Fallback>
+            <p:sp>
+              <p:nvSpPr>
+                <p:cNvPr id="107" name="文字方塊 106"/>
+                <p:cNvSpPr txBox="1">
+                  <a:spLocks noRot="1" noChangeAspect="1" noMove="1" noResize="1" noEditPoints="1" noAdjustHandles="1" noChangeArrowheads="1" noChangeShapeType="1" noTextEdit="1"/>
+                </p:cNvSpPr>
+                <p:nvPr/>
+              </p:nvSpPr>
+              <p:spPr>
+                <a:xfrm>
+                  <a:off x="1775932" y="2921478"/>
+                  <a:ext cx="275139" cy="307777"/>
+                </a:xfrm>
+                <a:prstGeom prst="rect">
+                  <a:avLst/>
+                </a:prstGeom>
+                <a:blipFill>
+                  <a:blip r:embed="rId37"/>
+                  <a:stretch>
+                    <a:fillRect l="-13333"/>
+                  </a:stretch>
+                </a:blipFill>
+              </p:spPr>
+              <p:txBody>
+                <a:bodyPr/>
+                <a:lstStyle/>
+                <a:p>
+                  <a:r>
+                    <a:rPr lang="en-US">
+                      <a:noFill/>
+                    </a:rPr>
+                    <a:t> </a:t>
+                  </a:r>
+                </a:p>
+              </p:txBody>
+            </p:sp>
+          </mc:Fallback>
+        </mc:AlternateContent>
+        <p:cxnSp>
+          <p:nvCxnSpPr>
+            <p:cNvPr id="109" name="直線單箭頭接點 108"/>
+            <p:cNvCxnSpPr>
+              <a:stCxn id="107" idx="3"/>
+              <a:endCxn id="5" idx="2"/>
+            </p:cNvCxnSpPr>
+            <p:nvPr/>
+          </p:nvCxnSpPr>
+          <p:spPr>
+            <a:xfrm flipV="1">
+              <a:off x="2051071" y="3075363"/>
+              <a:ext cx="519478" cy="4"/>
+            </a:xfrm>
+            <a:prstGeom prst="straightConnector1">
+              <a:avLst/>
+            </a:prstGeom>
+            <a:ln>
+              <a:tailEnd type="triangle"/>
+            </a:ln>
+          </p:spPr>
+          <p:style>
+            <a:lnRef idx="1">
+              <a:schemeClr val="accent1"/>
+            </a:lnRef>
+            <a:fillRef idx="0">
+              <a:schemeClr val="accent1"/>
+            </a:fillRef>
+            <a:effectRef idx="0">
+              <a:schemeClr val="accent1"/>
+            </a:effectRef>
+            <a:fontRef idx="minor">
+              <a:schemeClr val="tx1"/>
+            </a:fontRef>
+          </p:style>
+        </p:cxnSp>
+        <mc:AlternateContent xmlns:mc="http://schemas.openxmlformats.org/markup-compatibility/2006">
+          <mc:Choice xmlns:a14="http://schemas.microsoft.com/office/drawing/2010/main" Requires="a14">
+            <p:sp>
+              <p:nvSpPr>
+                <p:cNvPr id="115" name="文字方塊 114"/>
+                <p:cNvSpPr txBox="1"/>
+                <p:nvPr/>
+              </p:nvSpPr>
+              <p:spPr>
+                <a:xfrm>
+                  <a:off x="1791594" y="3937556"/>
+                  <a:ext cx="275139" cy="307777"/>
+                </a:xfrm>
+                <a:prstGeom prst="rect">
+                  <a:avLst/>
+                </a:prstGeom>
+                <a:noFill/>
+              </p:spPr>
+              <p:txBody>
+                <a:bodyPr wrap="square" rtlCol="0">
+                  <a:spAutoFit/>
+                </a:bodyPr>
+                <a:lstStyle/>
+                <a:p>
+                  <a:pPr algn="ctr"/>
+                  <a14:m>
+                    <m:oMathPara xmlns:m="http://schemas.openxmlformats.org/officeDocument/2006/math">
+                      <m:oMathParaPr>
+                        <m:jc m:val="centerGroup"/>
+                      </m:oMathParaPr>
+                      <m:oMath xmlns:m="http://schemas.openxmlformats.org/officeDocument/2006/math">
+                        <m:sSub>
+                          <m:sSubPr>
+                            <m:ctrlPr>
+                              <a:rPr lang="en-US" altLang="zh-TW" sz="1400" i="1">
+                                <a:latin typeface="Cambria Math" panose="02040503050406030204" pitchFamily="18" charset="0"/>
+                              </a:rPr>
+                            </m:ctrlPr>
+                          </m:sSubPr>
+                          <m:e>
+                            <m:r>
+                              <a:rPr lang="en-US" altLang="zh-TW" sz="1400" i="1">
+                                <a:latin typeface="Cambria Math" panose="02040503050406030204" pitchFamily="18" charset="0"/>
+                              </a:rPr>
+                              <m:t>h</m:t>
+                            </m:r>
+                          </m:e>
+                          <m:sub>
+                            <m:r>
+                              <a:rPr lang="en-US" altLang="zh-TW" sz="1400" i="1" smtClean="0">
+                                <a:latin typeface="Cambria Math" panose="02040503050406030204" pitchFamily="18" charset="0"/>
+                              </a:rPr>
+                              <m:t>𝑀</m:t>
+                            </m:r>
+                          </m:sub>
+                        </m:sSub>
+                      </m:oMath>
+                    </m:oMathPara>
+                  </a14:m>
+                  <a:endParaRPr lang="en-US" dirty="0"/>
+                </a:p>
+              </p:txBody>
+            </p:sp>
+          </mc:Choice>
+          <mc:Fallback>
+            <p:sp>
+              <p:nvSpPr>
+                <p:cNvPr id="115" name="文字方塊 114"/>
+                <p:cNvSpPr txBox="1">
+                  <a:spLocks noRot="1" noChangeAspect="1" noMove="1" noResize="1" noEditPoints="1" noAdjustHandles="1" noChangeArrowheads="1" noChangeShapeType="1" noTextEdit="1"/>
+                </p:cNvSpPr>
+                <p:nvPr/>
+              </p:nvSpPr>
+              <p:spPr>
+                <a:xfrm>
+                  <a:off x="1791594" y="3937556"/>
+                  <a:ext cx="275139" cy="307777"/>
+                </a:xfrm>
+                <a:prstGeom prst="rect">
+                  <a:avLst/>
+                </a:prstGeom>
+                <a:blipFill>
+                  <a:blip r:embed="rId38"/>
+                  <a:stretch>
+                    <a:fillRect l="-22222"/>
+                  </a:stretch>
+                </a:blipFill>
+              </p:spPr>
+              <p:txBody>
+                <a:bodyPr/>
+                <a:lstStyle/>
+                <a:p>
+                  <a:r>
+                    <a:rPr lang="en-US">
+                      <a:noFill/>
+                    </a:rPr>
+                    <a:t> </a:t>
+                  </a:r>
+                </a:p>
+              </p:txBody>
+            </p:sp>
+          </mc:Fallback>
+        </mc:AlternateContent>
+        <p:cxnSp>
+          <p:nvCxnSpPr>
+            <p:cNvPr id="116" name="直線單箭頭接點 115"/>
+            <p:cNvCxnSpPr>
+              <a:stCxn id="115" idx="3"/>
+              <a:endCxn id="6" idx="2"/>
+            </p:cNvCxnSpPr>
+            <p:nvPr/>
+          </p:nvCxnSpPr>
+          <p:spPr>
+            <a:xfrm>
+              <a:off x="2066733" y="4091445"/>
+              <a:ext cx="503816" cy="338"/>
+            </a:xfrm>
+            <a:prstGeom prst="straightConnector1">
+              <a:avLst/>
+            </a:prstGeom>
+            <a:ln>
+              <a:tailEnd type="triangle"/>
+            </a:ln>
+          </p:spPr>
+          <p:style>
+            <a:lnRef idx="1">
+              <a:schemeClr val="accent1"/>
+            </a:lnRef>
+            <a:fillRef idx="0">
+              <a:schemeClr val="accent1"/>
+            </a:fillRef>
+            <a:effectRef idx="0">
+              <a:schemeClr val="accent1"/>
+            </a:effectRef>
+            <a:fontRef idx="minor">
+              <a:schemeClr val="tx1"/>
+            </a:fontRef>
+          </p:style>
+        </p:cxnSp>
+        <mc:AlternateContent xmlns:mc="http://schemas.openxmlformats.org/markup-compatibility/2006">
+          <mc:Choice xmlns:a14="http://schemas.microsoft.com/office/drawing/2010/main" Requires="a14">
+            <p:sp>
+              <p:nvSpPr>
+                <p:cNvPr id="118" name="文字方塊 117"/>
+                <p:cNvSpPr txBox="1"/>
+                <p:nvPr/>
+              </p:nvSpPr>
+              <p:spPr>
+                <a:xfrm>
+                  <a:off x="2603547" y="3424530"/>
+                  <a:ext cx="137858" cy="307777"/>
+                </a:xfrm>
+                <a:prstGeom prst="rect">
+                  <a:avLst/>
+                </a:prstGeom>
+                <a:noFill/>
+              </p:spPr>
+              <p:txBody>
+                <a:bodyPr wrap="none" lIns="0" tIns="0" rIns="0" bIns="0" rtlCol="0">
+                  <a:spAutoFit/>
+                </a:bodyPr>
+                <a:lstStyle/>
+                <a:p>
+                  <a:pPr/>
+                  <a14:m>
+                    <m:oMathPara xmlns:m="http://schemas.openxmlformats.org/officeDocument/2006/math">
+                      <m:oMathParaPr>
+                        <m:jc m:val="centerGroup"/>
+                      </m:oMathParaPr>
+                      <m:oMath xmlns:m="http://schemas.openxmlformats.org/officeDocument/2006/math">
+                        <m:r>
+                          <a:rPr lang="zh-TW" altLang="en-US" sz="2000" i="1" smtClean="0">
+                            <a:latin typeface="Cambria Math" panose="02040503050406030204" pitchFamily="18" charset="0"/>
+                          </a:rPr>
+                          <m:t>⋮</m:t>
+                        </m:r>
+                      </m:oMath>
+                    </m:oMathPara>
+                  </a14:m>
+                  <a:endParaRPr lang="zh-TW" altLang="en-US" sz="1200" dirty="0"/>
+                </a:p>
+              </p:txBody>
+            </p:sp>
+          </mc:Choice>
+          <mc:Fallback>
+            <p:sp>
+              <p:nvSpPr>
+                <p:cNvPr id="118" name="文字方塊 117"/>
+                <p:cNvSpPr txBox="1">
+                  <a:spLocks noRot="1" noChangeAspect="1" noMove="1" noResize="1" noEditPoints="1" noAdjustHandles="1" noChangeArrowheads="1" noChangeShapeType="1" noTextEdit="1"/>
+                </p:cNvSpPr>
+                <p:nvPr/>
+              </p:nvSpPr>
+              <p:spPr>
+                <a:xfrm>
+                  <a:off x="2603547" y="3424530"/>
+                  <a:ext cx="137858" cy="307777"/>
+                </a:xfrm>
+                <a:prstGeom prst="rect">
+                  <a:avLst/>
+                </a:prstGeom>
+                <a:blipFill>
+                  <a:blip r:embed="rId39"/>
+                  <a:stretch>
+                    <a:fillRect l="-39130" r="-39130" b="-6000"/>
+                  </a:stretch>
+                </a:blipFill>
+              </p:spPr>
+              <p:txBody>
+                <a:bodyPr/>
+                <a:lstStyle/>
+                <a:p>
+                  <a:r>
+                    <a:rPr lang="en-US">
+                      <a:noFill/>
+                    </a:rPr>
+                    <a:t> </a:t>
+                  </a:r>
+                </a:p>
+              </p:txBody>
+            </p:sp>
+          </mc:Fallback>
+        </mc:AlternateContent>
+        <mc:AlternateContent xmlns:mc="http://schemas.openxmlformats.org/markup-compatibility/2006">
+          <mc:Choice xmlns:a14="http://schemas.microsoft.com/office/drawing/2010/main" Requires="a14">
+            <p:sp>
+              <p:nvSpPr>
+                <p:cNvPr id="119" name="文字方塊 118"/>
+                <p:cNvSpPr txBox="1"/>
+                <p:nvPr/>
+              </p:nvSpPr>
+              <p:spPr>
+                <a:xfrm>
+                  <a:off x="1844572" y="3440627"/>
+                  <a:ext cx="137858" cy="307777"/>
+                </a:xfrm>
+                <a:prstGeom prst="rect">
+                  <a:avLst/>
+                </a:prstGeom>
+                <a:noFill/>
+              </p:spPr>
+              <p:txBody>
+                <a:bodyPr wrap="none" lIns="0" tIns="0" rIns="0" bIns="0" rtlCol="0">
+                  <a:spAutoFit/>
+                </a:bodyPr>
+                <a:lstStyle/>
+                <a:p>
+                  <a:pPr/>
+                  <a14:m>
+                    <m:oMathPara xmlns:m="http://schemas.openxmlformats.org/officeDocument/2006/math">
+                      <m:oMathParaPr>
+                        <m:jc m:val="centerGroup"/>
+                      </m:oMathParaPr>
+                      <m:oMath xmlns:m="http://schemas.openxmlformats.org/officeDocument/2006/math">
+                        <m:r>
+                          <a:rPr lang="zh-TW" altLang="en-US" sz="2000" i="1" smtClean="0">
+                            <a:latin typeface="Cambria Math" panose="02040503050406030204" pitchFamily="18" charset="0"/>
+                          </a:rPr>
+                          <m:t>⋮</m:t>
+                        </m:r>
+                      </m:oMath>
+                    </m:oMathPara>
+                  </a14:m>
+                  <a:endParaRPr lang="zh-TW" altLang="en-US" sz="1200" dirty="0"/>
+                </a:p>
+              </p:txBody>
+            </p:sp>
+          </mc:Choice>
+          <mc:Fallback>
+            <p:sp>
+              <p:nvSpPr>
+                <p:cNvPr id="119" name="文字方塊 118"/>
+                <p:cNvSpPr txBox="1">
+                  <a:spLocks noRot="1" noChangeAspect="1" noMove="1" noResize="1" noEditPoints="1" noAdjustHandles="1" noChangeArrowheads="1" noChangeShapeType="1" noTextEdit="1"/>
+                </p:cNvSpPr>
+                <p:nvPr/>
+              </p:nvSpPr>
+              <p:spPr>
+                <a:xfrm>
+                  <a:off x="1844572" y="3440627"/>
+                  <a:ext cx="137858" cy="307777"/>
+                </a:xfrm>
+                <a:prstGeom prst="rect">
+                  <a:avLst/>
+                </a:prstGeom>
+                <a:blipFill>
+                  <a:blip r:embed="rId40"/>
+                  <a:stretch>
+                    <a:fillRect l="-40909" r="-45455" b="-3922"/>
                   </a:stretch>
                 </a:blipFill>
               </p:spPr>
